--- a/bozza.pptx
+++ b/bozza.pptx
@@ -5,17 +5,18 @@
     <p:sldMasterId id="2147483648" r:id="rId1"/>
   </p:sldMasterIdLst>
   <p:sldIdLst>
-    <p:sldId id="256" r:id="rId2"/>
-    <p:sldId id="257" r:id="rId3"/>
-    <p:sldId id="258" r:id="rId4"/>
-    <p:sldId id="259" r:id="rId5"/>
-    <p:sldId id="260" r:id="rId6"/>
-    <p:sldId id="261" r:id="rId7"/>
-    <p:sldId id="262" r:id="rId8"/>
-    <p:sldId id="263" r:id="rId9"/>
-    <p:sldId id="264" r:id="rId10"/>
-    <p:sldId id="265" r:id="rId11"/>
-    <p:sldId id="266" r:id="rId12"/>
+    <p:sldId id="267" r:id="rId2"/>
+    <p:sldId id="256" r:id="rId3"/>
+    <p:sldId id="257" r:id="rId4"/>
+    <p:sldId id="258" r:id="rId5"/>
+    <p:sldId id="259" r:id="rId6"/>
+    <p:sldId id="260" r:id="rId7"/>
+    <p:sldId id="261" r:id="rId8"/>
+    <p:sldId id="262" r:id="rId9"/>
+    <p:sldId id="263" r:id="rId10"/>
+    <p:sldId id="264" r:id="rId11"/>
+    <p:sldId id="265" r:id="rId12"/>
+    <p:sldId id="266" r:id="rId13"/>
   </p:sldIdLst>
   <p:sldSz cx="12192000" cy="6858000"/>
   <p:notesSz cx="6858000" cy="9144000"/>
@@ -269,7 +270,7 @@
           <a:p>
             <a:fld id="{0AA39EFF-B5CE-4F2F-BF44-56F26A1C1315}" type="datetimeFigureOut">
               <a:rPr lang="it-IT" smtClean="0"/>
-              <a:t>08/09/2022</a:t>
+              <a:t>23/09/2022</a:t>
             </a:fld>
             <a:endParaRPr lang="it-IT"/>
           </a:p>
@@ -467,7 +468,7 @@
           <a:p>
             <a:fld id="{0AA39EFF-B5CE-4F2F-BF44-56F26A1C1315}" type="datetimeFigureOut">
               <a:rPr lang="it-IT" smtClean="0"/>
-              <a:t>08/09/2022</a:t>
+              <a:t>23/09/2022</a:t>
             </a:fld>
             <a:endParaRPr lang="it-IT"/>
           </a:p>
@@ -675,7 +676,7 @@
           <a:p>
             <a:fld id="{0AA39EFF-B5CE-4F2F-BF44-56F26A1C1315}" type="datetimeFigureOut">
               <a:rPr lang="it-IT" smtClean="0"/>
-              <a:t>08/09/2022</a:t>
+              <a:t>23/09/2022</a:t>
             </a:fld>
             <a:endParaRPr lang="it-IT"/>
           </a:p>
@@ -873,7 +874,7 @@
           <a:p>
             <a:fld id="{0AA39EFF-B5CE-4F2F-BF44-56F26A1C1315}" type="datetimeFigureOut">
               <a:rPr lang="it-IT" smtClean="0"/>
-              <a:t>08/09/2022</a:t>
+              <a:t>23/09/2022</a:t>
             </a:fld>
             <a:endParaRPr lang="it-IT"/>
           </a:p>
@@ -1148,7 +1149,7 @@
           <a:p>
             <a:fld id="{0AA39EFF-B5CE-4F2F-BF44-56F26A1C1315}" type="datetimeFigureOut">
               <a:rPr lang="it-IT" smtClean="0"/>
-              <a:t>08/09/2022</a:t>
+              <a:t>23/09/2022</a:t>
             </a:fld>
             <a:endParaRPr lang="it-IT"/>
           </a:p>
@@ -1413,7 +1414,7 @@
           <a:p>
             <a:fld id="{0AA39EFF-B5CE-4F2F-BF44-56F26A1C1315}" type="datetimeFigureOut">
               <a:rPr lang="it-IT" smtClean="0"/>
-              <a:t>08/09/2022</a:t>
+              <a:t>23/09/2022</a:t>
             </a:fld>
             <a:endParaRPr lang="it-IT"/>
           </a:p>
@@ -1825,7 +1826,7 @@
           <a:p>
             <a:fld id="{0AA39EFF-B5CE-4F2F-BF44-56F26A1C1315}" type="datetimeFigureOut">
               <a:rPr lang="it-IT" smtClean="0"/>
-              <a:t>08/09/2022</a:t>
+              <a:t>23/09/2022</a:t>
             </a:fld>
             <a:endParaRPr lang="it-IT"/>
           </a:p>
@@ -1966,7 +1967,7 @@
           <a:p>
             <a:fld id="{0AA39EFF-B5CE-4F2F-BF44-56F26A1C1315}" type="datetimeFigureOut">
               <a:rPr lang="it-IT" smtClean="0"/>
-              <a:t>08/09/2022</a:t>
+              <a:t>23/09/2022</a:t>
             </a:fld>
             <a:endParaRPr lang="it-IT"/>
           </a:p>
@@ -2079,7 +2080,7 @@
           <a:p>
             <a:fld id="{0AA39EFF-B5CE-4F2F-BF44-56F26A1C1315}" type="datetimeFigureOut">
               <a:rPr lang="it-IT" smtClean="0"/>
-              <a:t>08/09/2022</a:t>
+              <a:t>23/09/2022</a:t>
             </a:fld>
             <a:endParaRPr lang="it-IT"/>
           </a:p>
@@ -2390,7 +2391,7 @@
           <a:p>
             <a:fld id="{0AA39EFF-B5CE-4F2F-BF44-56F26A1C1315}" type="datetimeFigureOut">
               <a:rPr lang="it-IT" smtClean="0"/>
-              <a:t>08/09/2022</a:t>
+              <a:t>23/09/2022</a:t>
             </a:fld>
             <a:endParaRPr lang="it-IT"/>
           </a:p>
@@ -2678,7 +2679,7 @@
           <a:p>
             <a:fld id="{0AA39EFF-B5CE-4F2F-BF44-56F26A1C1315}" type="datetimeFigureOut">
               <a:rPr lang="it-IT" smtClean="0"/>
-              <a:t>08/09/2022</a:t>
+              <a:t>23/09/2022</a:t>
             </a:fld>
             <a:endParaRPr lang="it-IT"/>
           </a:p>
@@ -2919,7 +2920,7 @@
           <a:p>
             <a:fld id="{0AA39EFF-B5CE-4F2F-BF44-56F26A1C1315}" type="datetimeFigureOut">
               <a:rPr lang="it-IT" smtClean="0"/>
-              <a:t>08/09/2022</a:t>
+              <a:t>23/09/2022</a:t>
             </a:fld>
             <a:endParaRPr lang="it-IT"/>
           </a:p>
@@ -3341,7 +3342,7 @@
           <p:cNvPr id="2" name="Titolo 1">
             <a:extLst>
               <a:ext uri="{FF2B5EF4-FFF2-40B4-BE49-F238E27FC236}">
-                <a16:creationId xmlns:a16="http://schemas.microsoft.com/office/drawing/2014/main" id="{7A6877DD-AFAD-ACEE-5D57-C814351A21A8}"/>
+                <a16:creationId xmlns:a16="http://schemas.microsoft.com/office/drawing/2014/main" id="{67D0AD5E-6898-18B7-BB63-7BCDCCA28D10}"/>
               </a:ext>
             </a:extLst>
           </p:cNvPr>
@@ -3357,17 +3358,7 @@
           <a:bodyPr/>
           <a:lstStyle/>
           <a:p>
-            <a:r>
-              <a:rPr lang="it-IT" dirty="0"/>
-              <a:t>Project Work </a:t>
-            </a:r>
-            <a:br>
-              <a:rPr lang="it-IT" dirty="0"/>
-            </a:br>
-            <a:r>
-              <a:rPr lang="it-IT" dirty="0"/>
-              <a:t>Machine Learning</a:t>
-            </a:r>
+            <a:endParaRPr lang="it-IT"/>
           </a:p>
         </p:txBody>
       </p:sp>
@@ -3376,7 +3367,7 @@
           <p:cNvPr id="3" name="Sottotitolo 2">
             <a:extLst>
               <a:ext uri="{FF2B5EF4-FFF2-40B4-BE49-F238E27FC236}">
-                <a16:creationId xmlns:a16="http://schemas.microsoft.com/office/drawing/2014/main" id="{DD40462D-E03B-021A-DFBF-8D2C4B23EF9C}"/>
+                <a16:creationId xmlns:a16="http://schemas.microsoft.com/office/drawing/2014/main" id="{CFD69624-90B5-E203-4658-D9B4E5EE540A}"/>
               </a:ext>
             </a:extLst>
           </p:cNvPr>
@@ -3392,34 +3383,14 @@
           <a:bodyPr/>
           <a:lstStyle/>
           <a:p>
-            <a:r>
-              <a:rPr lang="it-IT" dirty="0"/>
-              <a:t>Anna </a:t>
-            </a:r>
-            <a:r>
-              <a:rPr lang="it-IT" dirty="0" err="1"/>
-              <a:t>Valanzano</a:t>
-            </a:r>
-            <a:endParaRPr lang="it-IT" dirty="0"/>
-          </a:p>
-          <a:p>
-            <a:r>
-              <a:rPr lang="it-IT" dirty="0"/>
-              <a:t>Pietro Epis</a:t>
-            </a:r>
-          </a:p>
-          <a:p>
-            <a:r>
-              <a:rPr lang="it-IT" dirty="0"/>
-              <a:t>Michele Milesi</a:t>
-            </a:r>
+            <a:endParaRPr lang="it-IT"/>
           </a:p>
         </p:txBody>
       </p:sp>
     </p:spTree>
     <p:extLst>
       <p:ext uri="{BB962C8B-B14F-4D97-AF65-F5344CB8AC3E}">
-        <p14:creationId xmlns:p14="http://schemas.microsoft.com/office/powerpoint/2010/main" val="2805714647"/>
+        <p14:creationId xmlns:p14="http://schemas.microsoft.com/office/powerpoint/2010/main" val="709281326"/>
       </p:ext>
     </p:extLst>
   </p:cSld>
@@ -3451,6 +3422,252 @@
           <p:cNvPr id="2" name="Titolo 1">
             <a:extLst>
               <a:ext uri="{FF2B5EF4-FFF2-40B4-BE49-F238E27FC236}">
+                <a16:creationId xmlns:a16="http://schemas.microsoft.com/office/drawing/2014/main" id="{8216D2C6-8B5D-A126-2BA9-0B2BC91E0FCF}"/>
+              </a:ext>
+            </a:extLst>
+          </p:cNvPr>
+          <p:cNvSpPr>
+            <a:spLocks noGrp="1"/>
+          </p:cNvSpPr>
+          <p:nvPr>
+            <p:ph type="title"/>
+          </p:nvPr>
+        </p:nvSpPr>
+        <p:spPr/>
+        <p:txBody>
+          <a:bodyPr/>
+          <a:lstStyle/>
+          <a:p>
+            <a:r>
+              <a:rPr lang="it-IT" dirty="0"/>
+              <a:t>TPOT</a:t>
+            </a:r>
+          </a:p>
+        </p:txBody>
+      </p:sp>
+      <p:sp>
+        <p:nvSpPr>
+          <p:cNvPr id="3" name="Segnaposto contenuto 2">
+            <a:extLst>
+              <a:ext uri="{FF2B5EF4-FFF2-40B4-BE49-F238E27FC236}">
+                <a16:creationId xmlns:a16="http://schemas.microsoft.com/office/drawing/2014/main" id="{5DE03466-A654-6005-E2FE-1100906D8739}"/>
+              </a:ext>
+            </a:extLst>
+          </p:cNvPr>
+          <p:cNvSpPr>
+            <a:spLocks noGrp="1"/>
+          </p:cNvSpPr>
+          <p:nvPr>
+            <p:ph idx="1"/>
+          </p:nvPr>
+        </p:nvSpPr>
+        <p:spPr/>
+        <p:txBody>
+          <a:bodyPr>
+            <a:normAutofit lnSpcReduction="10000"/>
+          </a:bodyPr>
+          <a:lstStyle/>
+          <a:p>
+            <a:r>
+              <a:rPr lang="it-IT" dirty="0" err="1"/>
+              <a:t>Documentation</a:t>
+            </a:r>
+            <a:r>
+              <a:rPr lang="it-IT" dirty="0"/>
+              <a:t>	</a:t>
+            </a:r>
+          </a:p>
+          <a:p>
+            <a:pPr lvl="1"/>
+            <a:r>
+              <a:rPr lang="it-IT" dirty="0"/>
+              <a:t>Too verbose</a:t>
+            </a:r>
+          </a:p>
+          <a:p>
+            <a:pPr lvl="1"/>
+            <a:r>
+              <a:rPr lang="it-IT" dirty="0"/>
+              <a:t>Some </a:t>
+            </a:r>
+            <a:r>
+              <a:rPr lang="it-IT" dirty="0" err="1"/>
+              <a:t>useful</a:t>
+            </a:r>
+            <a:r>
+              <a:rPr lang="it-IT" dirty="0"/>
+              <a:t> </a:t>
+            </a:r>
+            <a:r>
+              <a:rPr lang="it-IT" dirty="0" err="1"/>
+              <a:t>examples</a:t>
+            </a:r>
+            <a:endParaRPr lang="it-IT" dirty="0"/>
+          </a:p>
+          <a:p>
+            <a:r>
+              <a:rPr lang="it-IT" dirty="0"/>
+              <a:t>Installation</a:t>
+            </a:r>
+          </a:p>
+          <a:p>
+            <a:pPr lvl="1"/>
+            <a:r>
+              <a:rPr lang="it-IT" dirty="0" err="1"/>
+              <a:t>Execution</a:t>
+            </a:r>
+            <a:r>
+              <a:rPr lang="it-IT" dirty="0"/>
+              <a:t> of </a:t>
+            </a:r>
+            <a:r>
+              <a:rPr lang="it-IT" dirty="0" err="1"/>
+              <a:t>commands</a:t>
+            </a:r>
+            <a:r>
+              <a:rPr lang="it-IT" dirty="0"/>
+              <a:t> in the </a:t>
+            </a:r>
+            <a:r>
+              <a:rPr lang="it-IT" dirty="0" err="1"/>
+              <a:t>documentation</a:t>
+            </a:r>
+            <a:endParaRPr lang="it-IT" dirty="0"/>
+          </a:p>
+          <a:p>
+            <a:r>
+              <a:rPr lang="it-IT" dirty="0" err="1"/>
+              <a:t>Usability</a:t>
+            </a:r>
+            <a:endParaRPr lang="it-IT" dirty="0"/>
+          </a:p>
+          <a:p>
+            <a:pPr lvl="1"/>
+            <a:r>
+              <a:rPr lang="it-IT" dirty="0"/>
+              <a:t>No </a:t>
+            </a:r>
+            <a:r>
+              <a:rPr lang="it-IT" dirty="0" err="1"/>
+              <a:t>preprocessing</a:t>
+            </a:r>
+            <a:endParaRPr lang="it-IT" dirty="0"/>
+          </a:p>
+          <a:p>
+            <a:pPr lvl="1"/>
+            <a:r>
+              <a:rPr lang="it-IT" dirty="0"/>
+              <a:t>No </a:t>
+            </a:r>
+            <a:r>
+              <a:rPr lang="it-IT" dirty="0" err="1"/>
+              <a:t>categorical</a:t>
+            </a:r>
+            <a:r>
+              <a:rPr lang="it-IT" dirty="0"/>
+              <a:t> features </a:t>
+            </a:r>
+            <a:r>
+              <a:rPr lang="it-IT" dirty="0" err="1"/>
+              <a:t>during</a:t>
+            </a:r>
+            <a:r>
+              <a:rPr lang="it-IT" dirty="0"/>
+              <a:t> training</a:t>
+            </a:r>
+          </a:p>
+          <a:p>
+            <a:pPr lvl="1"/>
+            <a:r>
+              <a:rPr lang="it-IT" dirty="0"/>
+              <a:t>No clustering</a:t>
+            </a:r>
+          </a:p>
+          <a:p>
+            <a:r>
+              <a:rPr lang="it-IT" dirty="0"/>
+              <a:t>Quality of </a:t>
+            </a:r>
+            <a:r>
+              <a:rPr lang="it-IT" dirty="0" err="1"/>
+              <a:t>results</a:t>
+            </a:r>
+            <a:r>
+              <a:rPr lang="it-IT" dirty="0"/>
+              <a:t> (</a:t>
+            </a:r>
+            <a:r>
+              <a:rPr lang="it-IT" dirty="0" err="1"/>
+              <a:t>how</a:t>
+            </a:r>
+            <a:r>
+              <a:rPr lang="it-IT" dirty="0"/>
+              <a:t> </a:t>
+            </a:r>
+            <a:r>
+              <a:rPr lang="it-IT" dirty="0" err="1"/>
+              <a:t>they</a:t>
+            </a:r>
+            <a:r>
+              <a:rPr lang="it-IT" dirty="0"/>
+              <a:t> are </a:t>
+            </a:r>
+            <a:r>
+              <a:rPr lang="it-IT" dirty="0" err="1"/>
+              <a:t>provided</a:t>
+            </a:r>
+            <a:r>
+              <a:rPr lang="it-IT" dirty="0"/>
+              <a:t>)</a:t>
+            </a:r>
+          </a:p>
+          <a:p>
+            <a:pPr lvl="1"/>
+            <a:endParaRPr lang="it-IT" dirty="0"/>
+          </a:p>
+          <a:p>
+            <a:endParaRPr lang="it-IT" dirty="0"/>
+          </a:p>
+          <a:p>
+            <a:endParaRPr lang="it-IT" dirty="0"/>
+          </a:p>
+        </p:txBody>
+      </p:sp>
+    </p:spTree>
+    <p:extLst>
+      <p:ext uri="{BB962C8B-B14F-4D97-AF65-F5344CB8AC3E}">
+        <p14:creationId xmlns:p14="http://schemas.microsoft.com/office/powerpoint/2010/main" val="3038494212"/>
+      </p:ext>
+    </p:extLst>
+  </p:cSld>
+  <p:clrMapOvr>
+    <a:masterClrMapping/>
+  </p:clrMapOvr>
+</p:sld>
+</file>
+
+<file path=ppt/slides/slide11.xml><?xml version="1.0" encoding="utf-8"?>
+<p:sld xmlns:a="http://schemas.openxmlformats.org/drawingml/2006/main" xmlns:r="http://schemas.openxmlformats.org/officeDocument/2006/relationships" xmlns:p="http://schemas.openxmlformats.org/presentationml/2006/main">
+  <p:cSld>
+    <p:spTree>
+      <p:nvGrpSpPr>
+        <p:cNvPr id="1" name=""/>
+        <p:cNvGrpSpPr/>
+        <p:nvPr/>
+      </p:nvGrpSpPr>
+      <p:grpSpPr>
+        <a:xfrm>
+          <a:off x="0" y="0"/>
+          <a:ext cx="0" cy="0"/>
+          <a:chOff x="0" y="0"/>
+          <a:chExt cx="0" cy="0"/>
+        </a:xfrm>
+      </p:grpSpPr>
+      <p:sp>
+        <p:nvSpPr>
+          <p:cNvPr id="2" name="Titolo 1">
+            <a:extLst>
+              <a:ext uri="{FF2B5EF4-FFF2-40B4-BE49-F238E27FC236}">
                 <a16:creationId xmlns:a16="http://schemas.microsoft.com/office/drawing/2014/main" id="{0EE3AD0E-0CDD-430E-5D95-BA04C8B09D14}"/>
               </a:ext>
             </a:extLst>
@@ -3794,7 +4011,7 @@
 </p:sld>
 </file>
 
-<file path=ppt/slides/slide11.xml><?xml version="1.0" encoding="utf-8"?>
+<file path=ppt/slides/slide12.xml><?xml version="1.0" encoding="utf-8"?>
 <p:sld xmlns:a="http://schemas.openxmlformats.org/drawingml/2006/main" xmlns:r="http://schemas.openxmlformats.org/officeDocument/2006/relationships" xmlns:p="http://schemas.openxmlformats.org/presentationml/2006/main">
   <p:cSld>
     <p:spTree>
@@ -4102,15 +4319,15 @@
           <p:cNvPr id="2" name="Titolo 1">
             <a:extLst>
               <a:ext uri="{FF2B5EF4-FFF2-40B4-BE49-F238E27FC236}">
-                <a16:creationId xmlns:a16="http://schemas.microsoft.com/office/drawing/2014/main" id="{88F4DFA6-24C3-36D5-702D-64812CC075D4}"/>
-              </a:ext>
-            </a:extLst>
-          </p:cNvPr>
-          <p:cNvSpPr>
-            <a:spLocks noGrp="1"/>
-          </p:cNvSpPr>
-          <p:nvPr>
-            <p:ph type="title"/>
+                <a16:creationId xmlns:a16="http://schemas.microsoft.com/office/drawing/2014/main" id="{7A6877DD-AFAD-ACEE-5D57-C814351A21A8}"/>
+              </a:ext>
+            </a:extLst>
+          </p:cNvPr>
+          <p:cNvSpPr>
+            <a:spLocks noGrp="1"/>
+          </p:cNvSpPr>
+          <p:nvPr>
+            <p:ph type="ctrTitle"/>
           </p:nvPr>
         </p:nvSpPr>
         <p:spPr/>
@@ -4119,43 +4336,33 @@
           <a:lstStyle/>
           <a:p>
             <a:r>
-              <a:rPr lang="it-IT" dirty="0" err="1"/>
-              <a:t>Airline</a:t>
-            </a:r>
-            <a:r>
-              <a:rPr lang="it-IT" dirty="0"/>
-              <a:t> </a:t>
-            </a:r>
-            <a:r>
-              <a:rPr lang="it-IT" dirty="0" err="1"/>
-              <a:t>Passenger</a:t>
-            </a:r>
-            <a:r>
-              <a:rPr lang="it-IT" dirty="0"/>
-              <a:t> </a:t>
-            </a:r>
-            <a:r>
-              <a:rPr lang="it-IT" dirty="0" err="1"/>
-              <a:t>Satisfaction</a:t>
-            </a:r>
-            <a:endParaRPr lang="it-IT" dirty="0"/>
-          </a:p>
-        </p:txBody>
-      </p:sp>
-      <p:sp>
-        <p:nvSpPr>
-          <p:cNvPr id="3" name="Segnaposto contenuto 2">
-            <a:extLst>
-              <a:ext uri="{FF2B5EF4-FFF2-40B4-BE49-F238E27FC236}">
-                <a16:creationId xmlns:a16="http://schemas.microsoft.com/office/drawing/2014/main" id="{5DB4FC8C-CADF-175C-86CD-E39F3FBFAA74}"/>
-              </a:ext>
-            </a:extLst>
-          </p:cNvPr>
-          <p:cNvSpPr>
-            <a:spLocks noGrp="1"/>
-          </p:cNvSpPr>
-          <p:nvPr>
-            <p:ph idx="1"/>
+              <a:rPr lang="it-IT" dirty="0"/>
+              <a:t>Project Work </a:t>
+            </a:r>
+            <a:br>
+              <a:rPr lang="it-IT" dirty="0"/>
+            </a:br>
+            <a:r>
+              <a:rPr lang="it-IT" dirty="0"/>
+              <a:t>Machine Learning</a:t>
+            </a:r>
+          </a:p>
+        </p:txBody>
+      </p:sp>
+      <p:sp>
+        <p:nvSpPr>
+          <p:cNvPr id="3" name="Sottotitolo 2">
+            <a:extLst>
+              <a:ext uri="{FF2B5EF4-FFF2-40B4-BE49-F238E27FC236}">
+                <a16:creationId xmlns:a16="http://schemas.microsoft.com/office/drawing/2014/main" id="{DD40462D-E03B-021A-DFBF-8D2C4B23EF9C}"/>
+              </a:ext>
+            </a:extLst>
+          </p:cNvPr>
+          <p:cNvSpPr>
+            <a:spLocks noGrp="1"/>
+          </p:cNvSpPr>
+          <p:nvPr>
+            <p:ph type="subTitle" idx="1"/>
           </p:nvPr>
         </p:nvSpPr>
         <p:spPr/>
@@ -4164,133 +4371,33 @@
           <a:lstStyle/>
           <a:p>
             <a:r>
-              <a:rPr lang="it-IT" dirty="0" err="1"/>
-              <a:t>Airline</a:t>
-            </a:r>
-            <a:r>
-              <a:rPr lang="it-IT" dirty="0"/>
-              <a:t> </a:t>
-            </a:r>
-            <a:r>
-              <a:rPr lang="it-IT" dirty="0" err="1"/>
-              <a:t>passenger</a:t>
-            </a:r>
-            <a:r>
-              <a:rPr lang="it-IT" dirty="0"/>
-              <a:t> </a:t>
-            </a:r>
-            <a:r>
-              <a:rPr lang="it-IT" dirty="0" err="1"/>
-              <a:t>satisfaction</a:t>
-            </a:r>
-            <a:r>
-              <a:rPr lang="it-IT" dirty="0"/>
-              <a:t> survey</a:t>
-            </a:r>
-          </a:p>
-          <a:p>
-            <a:r>
-              <a:rPr lang="it-IT" dirty="0"/>
-              <a:t>103000 </a:t>
-            </a:r>
-            <a:r>
-              <a:rPr lang="it-IT" dirty="0" err="1"/>
-              <a:t>rows</a:t>
-            </a:r>
-            <a:r>
-              <a:rPr lang="it-IT" dirty="0"/>
-              <a:t> and 25 </a:t>
-            </a:r>
-            <a:r>
-              <a:rPr lang="it-IT" dirty="0" err="1"/>
-              <a:t>columns</a:t>
+              <a:rPr lang="it-IT" dirty="0"/>
+              <a:t>Anna </a:t>
+            </a:r>
+            <a:r>
+              <a:rPr lang="it-IT" dirty="0" err="1"/>
+              <a:t>Valanzano</a:t>
             </a:r>
             <a:endParaRPr lang="it-IT" dirty="0"/>
           </a:p>
           <a:p>
-            <a:pPr lvl="1"/>
-            <a:r>
-              <a:rPr lang="it-IT" dirty="0" err="1"/>
-              <a:t>Numeric</a:t>
-            </a:r>
-            <a:r>
-              <a:rPr lang="it-IT" dirty="0"/>
-              <a:t> features: 6</a:t>
-            </a:r>
-          </a:p>
-          <a:p>
-            <a:pPr lvl="1"/>
-            <a:r>
-              <a:rPr lang="it-IT" dirty="0" err="1"/>
-              <a:t>Categorical</a:t>
-            </a:r>
-            <a:r>
-              <a:rPr lang="it-IT" dirty="0"/>
-              <a:t> features: 18</a:t>
-            </a:r>
-          </a:p>
-          <a:p>
-            <a:r>
-              <a:rPr lang="it-IT" dirty="0" err="1"/>
-              <a:t>Few</a:t>
-            </a:r>
-            <a:r>
-              <a:rPr lang="it-IT" dirty="0"/>
-              <a:t> </a:t>
-            </a:r>
-            <a:r>
-              <a:rPr lang="it-IT" dirty="0" err="1"/>
-              <a:t>missing</a:t>
-            </a:r>
-            <a:r>
-              <a:rPr lang="it-IT" dirty="0"/>
-              <a:t> </a:t>
-            </a:r>
-            <a:r>
-              <a:rPr lang="it-IT" dirty="0" err="1"/>
-              <a:t>values</a:t>
-            </a:r>
-            <a:endParaRPr lang="it-IT" dirty="0"/>
-          </a:p>
-          <a:p>
-            <a:r>
-              <a:rPr lang="it-IT" dirty="0" err="1"/>
-              <a:t>Classification</a:t>
-            </a:r>
-            <a:r>
-              <a:rPr lang="it-IT" dirty="0"/>
-              <a:t> </a:t>
-            </a:r>
-            <a:r>
-              <a:rPr lang="it-IT" dirty="0" err="1"/>
-              <a:t>problem</a:t>
-            </a:r>
-            <a:endParaRPr lang="it-IT" dirty="0"/>
-          </a:p>
-          <a:p>
-            <a:r>
-              <a:rPr lang="it-IT" dirty="0" err="1"/>
-              <a:t>Column</a:t>
-            </a:r>
-            <a:r>
-              <a:rPr lang="it-IT" dirty="0"/>
-              <a:t> target: </a:t>
-            </a:r>
-            <a:r>
-              <a:rPr lang="it-IT" dirty="0" err="1"/>
-              <a:t>satisfaction</a:t>
-            </a:r>
-            <a:endParaRPr lang="it-IT" dirty="0"/>
-          </a:p>
-          <a:p>
-            <a:endParaRPr lang="it-IT" dirty="0"/>
+            <a:r>
+              <a:rPr lang="it-IT" dirty="0"/>
+              <a:t>Pietro Epis</a:t>
+            </a:r>
+          </a:p>
+          <a:p>
+            <a:r>
+              <a:rPr lang="it-IT" dirty="0"/>
+              <a:t>Michele Milesi</a:t>
+            </a:r>
           </a:p>
         </p:txBody>
       </p:sp>
     </p:spTree>
     <p:extLst>
       <p:ext uri="{BB962C8B-B14F-4D97-AF65-F5344CB8AC3E}">
-        <p14:creationId xmlns:p14="http://schemas.microsoft.com/office/powerpoint/2010/main" val="2626498158"/>
+        <p14:creationId xmlns:p14="http://schemas.microsoft.com/office/powerpoint/2010/main" val="2805714647"/>
       </p:ext>
     </p:extLst>
   </p:cSld>
@@ -4322,7 +4429,7 @@
           <p:cNvPr id="2" name="Titolo 1">
             <a:extLst>
               <a:ext uri="{FF2B5EF4-FFF2-40B4-BE49-F238E27FC236}">
-                <a16:creationId xmlns:a16="http://schemas.microsoft.com/office/drawing/2014/main" id="{AF5F427A-2CAC-B7C2-3B6A-4D9081AE87B4}"/>
+                <a16:creationId xmlns:a16="http://schemas.microsoft.com/office/drawing/2014/main" id="{88F4DFA6-24C3-36D5-702D-64812CC075D4}"/>
               </a:ext>
             </a:extLst>
           </p:cNvPr>
@@ -4339,12 +4446,24 @@
           <a:lstStyle/>
           <a:p>
             <a:r>
-              <a:rPr lang="it-IT" dirty="0"/>
-              <a:t>Customer </a:t>
-            </a:r>
-            <a:r>
-              <a:rPr lang="it-IT" dirty="0" err="1"/>
-              <a:t>Segmentation</a:t>
+              <a:rPr lang="it-IT" dirty="0" err="1"/>
+              <a:t>Airline</a:t>
+            </a:r>
+            <a:r>
+              <a:rPr lang="it-IT" dirty="0"/>
+              <a:t> </a:t>
+            </a:r>
+            <a:r>
+              <a:rPr lang="it-IT" dirty="0" err="1"/>
+              <a:t>Passenger</a:t>
+            </a:r>
+            <a:r>
+              <a:rPr lang="it-IT" dirty="0"/>
+              <a:t> </a:t>
+            </a:r>
+            <a:r>
+              <a:rPr lang="it-IT" dirty="0" err="1"/>
+              <a:t>Satisfaction</a:t>
             </a:r>
             <a:endParaRPr lang="it-IT" dirty="0"/>
           </a:p>
@@ -4355,7 +4474,7 @@
           <p:cNvPr id="3" name="Segnaposto contenuto 2">
             <a:extLst>
               <a:ext uri="{FF2B5EF4-FFF2-40B4-BE49-F238E27FC236}">
-                <a16:creationId xmlns:a16="http://schemas.microsoft.com/office/drawing/2014/main" id="{7AAA2896-3ABB-6C0E-B3A0-53DE9524CAC3}"/>
+                <a16:creationId xmlns:a16="http://schemas.microsoft.com/office/drawing/2014/main" id="{5DB4FC8C-CADF-175C-86CD-E39F3FBFAA74}"/>
               </a:ext>
             </a:extLst>
           </p:cNvPr>
@@ -4372,28 +4491,69 @@
           <a:lstStyle/>
           <a:p>
             <a:r>
-              <a:rPr lang="en-US" dirty="0"/>
-              <a:t> Separate customers into groups that reflect similarities among customers in each cluster</a:t>
-            </a:r>
-          </a:p>
-          <a:p>
-            <a:r>
-              <a:rPr lang="en-US" dirty="0"/>
-              <a:t>2240 rows and 29 columns</a:t>
-            </a:r>
+              <a:rPr lang="it-IT" dirty="0" err="1"/>
+              <a:t>Airline</a:t>
+            </a:r>
+            <a:r>
+              <a:rPr lang="it-IT" dirty="0"/>
+              <a:t> </a:t>
+            </a:r>
+            <a:r>
+              <a:rPr lang="it-IT" dirty="0" err="1"/>
+              <a:t>passenger</a:t>
+            </a:r>
+            <a:r>
+              <a:rPr lang="it-IT" dirty="0"/>
+              <a:t> </a:t>
+            </a:r>
+            <a:r>
+              <a:rPr lang="it-IT" dirty="0" err="1"/>
+              <a:t>satisfaction</a:t>
+            </a:r>
+            <a:r>
+              <a:rPr lang="it-IT" dirty="0"/>
+              <a:t> survey</a:t>
+            </a:r>
+          </a:p>
+          <a:p>
+            <a:r>
+              <a:rPr lang="it-IT" dirty="0"/>
+              <a:t>103000 </a:t>
+            </a:r>
+            <a:r>
+              <a:rPr lang="it-IT" dirty="0" err="1"/>
+              <a:t>rows</a:t>
+            </a:r>
+            <a:r>
+              <a:rPr lang="it-IT" dirty="0"/>
+              <a:t> and 25 </a:t>
+            </a:r>
+            <a:r>
+              <a:rPr lang="it-IT" dirty="0" err="1"/>
+              <a:t>columns</a:t>
+            </a:r>
+            <a:endParaRPr lang="it-IT" dirty="0"/>
           </a:p>
           <a:p>
             <a:pPr lvl="1"/>
             <a:r>
-              <a:rPr lang="en-US" dirty="0"/>
-              <a:t>Numeric features: 10</a:t>
+              <a:rPr lang="it-IT" dirty="0" err="1"/>
+              <a:t>Numeric</a:t>
+            </a:r>
+            <a:r>
+              <a:rPr lang="it-IT" dirty="0"/>
+              <a:t> features: 6</a:t>
             </a:r>
           </a:p>
           <a:p>
             <a:pPr lvl="1"/>
             <a:r>
-              <a:rPr lang="en-US" dirty="0"/>
-              <a:t>Categorical features: 19</a:t>
+              <a:rPr lang="it-IT" dirty="0" err="1"/>
+              <a:t>Categorical</a:t>
+            </a:r>
+            <a:r>
+              <a:rPr lang="it-IT" dirty="0"/>
+              <a:t> features: 18</a:t>
             </a:r>
           </a:p>
           <a:p>
@@ -4421,12 +4581,33 @@
           </a:p>
           <a:p>
             <a:r>
-              <a:rPr lang="en-US" dirty="0"/>
-              <a:t>Clustering problem</a:t>
-            </a:r>
-          </a:p>
-          <a:p>
-            <a:endParaRPr lang="en-US" dirty="0"/>
+              <a:rPr lang="it-IT" dirty="0" err="1"/>
+              <a:t>Classification</a:t>
+            </a:r>
+            <a:r>
+              <a:rPr lang="it-IT" dirty="0"/>
+              <a:t> </a:t>
+            </a:r>
+            <a:r>
+              <a:rPr lang="it-IT" dirty="0" err="1"/>
+              <a:t>problem</a:t>
+            </a:r>
+            <a:endParaRPr lang="it-IT" dirty="0"/>
+          </a:p>
+          <a:p>
+            <a:r>
+              <a:rPr lang="it-IT" dirty="0" err="1"/>
+              <a:t>Column</a:t>
+            </a:r>
+            <a:r>
+              <a:rPr lang="it-IT" dirty="0"/>
+              <a:t> target: </a:t>
+            </a:r>
+            <a:r>
+              <a:rPr lang="it-IT" dirty="0" err="1"/>
+              <a:t>satisfaction</a:t>
+            </a:r>
+            <a:endParaRPr lang="it-IT" dirty="0"/>
           </a:p>
           <a:p>
             <a:endParaRPr lang="it-IT" dirty="0"/>
@@ -4436,7 +4617,7 @@
     </p:spTree>
     <p:extLst>
       <p:ext uri="{BB962C8B-B14F-4D97-AF65-F5344CB8AC3E}">
-        <p14:creationId xmlns:p14="http://schemas.microsoft.com/office/powerpoint/2010/main" val="953055146"/>
+        <p14:creationId xmlns:p14="http://schemas.microsoft.com/office/powerpoint/2010/main" val="2626498158"/>
       </p:ext>
     </p:extLst>
   </p:cSld>
@@ -4468,6 +4649,152 @@
           <p:cNvPr id="2" name="Titolo 1">
             <a:extLst>
               <a:ext uri="{FF2B5EF4-FFF2-40B4-BE49-F238E27FC236}">
+                <a16:creationId xmlns:a16="http://schemas.microsoft.com/office/drawing/2014/main" id="{AF5F427A-2CAC-B7C2-3B6A-4D9081AE87B4}"/>
+              </a:ext>
+            </a:extLst>
+          </p:cNvPr>
+          <p:cNvSpPr>
+            <a:spLocks noGrp="1"/>
+          </p:cNvSpPr>
+          <p:nvPr>
+            <p:ph type="title"/>
+          </p:nvPr>
+        </p:nvSpPr>
+        <p:spPr/>
+        <p:txBody>
+          <a:bodyPr/>
+          <a:lstStyle/>
+          <a:p>
+            <a:r>
+              <a:rPr lang="it-IT" dirty="0"/>
+              <a:t>Customer </a:t>
+            </a:r>
+            <a:r>
+              <a:rPr lang="it-IT" dirty="0" err="1"/>
+              <a:t>Segmentation</a:t>
+            </a:r>
+            <a:endParaRPr lang="it-IT" dirty="0"/>
+          </a:p>
+        </p:txBody>
+      </p:sp>
+      <p:sp>
+        <p:nvSpPr>
+          <p:cNvPr id="3" name="Segnaposto contenuto 2">
+            <a:extLst>
+              <a:ext uri="{FF2B5EF4-FFF2-40B4-BE49-F238E27FC236}">
+                <a16:creationId xmlns:a16="http://schemas.microsoft.com/office/drawing/2014/main" id="{7AAA2896-3ABB-6C0E-B3A0-53DE9524CAC3}"/>
+              </a:ext>
+            </a:extLst>
+          </p:cNvPr>
+          <p:cNvSpPr>
+            <a:spLocks noGrp="1"/>
+          </p:cNvSpPr>
+          <p:nvPr>
+            <p:ph idx="1"/>
+          </p:nvPr>
+        </p:nvSpPr>
+        <p:spPr/>
+        <p:txBody>
+          <a:bodyPr/>
+          <a:lstStyle/>
+          <a:p>
+            <a:r>
+              <a:rPr lang="en-US" dirty="0"/>
+              <a:t> Separate customers into groups that reflect similarities among customers in each cluster</a:t>
+            </a:r>
+          </a:p>
+          <a:p>
+            <a:r>
+              <a:rPr lang="en-US" dirty="0"/>
+              <a:t>2240 rows and 29 columns</a:t>
+            </a:r>
+          </a:p>
+          <a:p>
+            <a:pPr lvl="1"/>
+            <a:r>
+              <a:rPr lang="en-US" dirty="0"/>
+              <a:t>Numeric features: 10</a:t>
+            </a:r>
+          </a:p>
+          <a:p>
+            <a:pPr lvl="1"/>
+            <a:r>
+              <a:rPr lang="en-US" dirty="0"/>
+              <a:t>Categorical features: 19</a:t>
+            </a:r>
+          </a:p>
+          <a:p>
+            <a:r>
+              <a:rPr lang="it-IT" dirty="0" err="1"/>
+              <a:t>Few</a:t>
+            </a:r>
+            <a:r>
+              <a:rPr lang="it-IT" dirty="0"/>
+              <a:t> </a:t>
+            </a:r>
+            <a:r>
+              <a:rPr lang="it-IT" dirty="0" err="1"/>
+              <a:t>missing</a:t>
+            </a:r>
+            <a:r>
+              <a:rPr lang="it-IT" dirty="0"/>
+              <a:t> </a:t>
+            </a:r>
+            <a:r>
+              <a:rPr lang="it-IT" dirty="0" err="1"/>
+              <a:t>values</a:t>
+            </a:r>
+            <a:endParaRPr lang="it-IT" dirty="0"/>
+          </a:p>
+          <a:p>
+            <a:r>
+              <a:rPr lang="en-US" dirty="0"/>
+              <a:t>Clustering problem</a:t>
+            </a:r>
+          </a:p>
+          <a:p>
+            <a:endParaRPr lang="en-US" dirty="0"/>
+          </a:p>
+          <a:p>
+            <a:endParaRPr lang="it-IT" dirty="0"/>
+          </a:p>
+        </p:txBody>
+      </p:sp>
+    </p:spTree>
+    <p:extLst>
+      <p:ext uri="{BB962C8B-B14F-4D97-AF65-F5344CB8AC3E}">
+        <p14:creationId xmlns:p14="http://schemas.microsoft.com/office/powerpoint/2010/main" val="953055146"/>
+      </p:ext>
+    </p:extLst>
+  </p:cSld>
+  <p:clrMapOvr>
+    <a:masterClrMapping/>
+  </p:clrMapOvr>
+</p:sld>
+</file>
+
+<file path=ppt/slides/slide5.xml><?xml version="1.0" encoding="utf-8"?>
+<p:sld xmlns:a="http://schemas.openxmlformats.org/drawingml/2006/main" xmlns:r="http://schemas.openxmlformats.org/officeDocument/2006/relationships" xmlns:p="http://schemas.openxmlformats.org/presentationml/2006/main">
+  <p:cSld>
+    <p:spTree>
+      <p:nvGrpSpPr>
+        <p:cNvPr id="1" name=""/>
+        <p:cNvGrpSpPr/>
+        <p:nvPr/>
+      </p:nvGrpSpPr>
+      <p:grpSpPr>
+        <a:xfrm>
+          <a:off x="0" y="0"/>
+          <a:ext cx="0" cy="0"/>
+          <a:chOff x="0" y="0"/>
+          <a:chExt cx="0" cy="0"/>
+        </a:xfrm>
+      </p:grpSpPr>
+      <p:sp>
+        <p:nvSpPr>
+          <p:cNvPr id="2" name="Titolo 1">
+            <a:extLst>
+              <a:ext uri="{FF2B5EF4-FFF2-40B4-BE49-F238E27FC236}">
                 <a16:creationId xmlns:a16="http://schemas.microsoft.com/office/drawing/2014/main" id="{E765B25A-F33A-C526-8143-127ACABA788C}"/>
               </a:ext>
             </a:extLst>
@@ -4581,7 +4908,7 @@
 </p:sld>
 </file>
 
-<file path=ppt/slides/slide5.xml><?xml version="1.0" encoding="utf-8"?>
+<file path=ppt/slides/slide6.xml><?xml version="1.0" encoding="utf-8"?>
 <p:sld xmlns:a="http://schemas.openxmlformats.org/drawingml/2006/main" xmlns:r="http://schemas.openxmlformats.org/officeDocument/2006/relationships" xmlns:p="http://schemas.openxmlformats.org/presentationml/2006/main">
   <p:cSld>
     <p:spTree>
@@ -5639,257 +5966,6 @@
 </p:sld>
 </file>
 
-<file path=ppt/slides/slide6.xml><?xml version="1.0" encoding="utf-8"?>
-<p:sld xmlns:a="http://schemas.openxmlformats.org/drawingml/2006/main" xmlns:r="http://schemas.openxmlformats.org/officeDocument/2006/relationships" xmlns:p="http://schemas.openxmlformats.org/presentationml/2006/main">
-  <p:cSld>
-    <p:spTree>
-      <p:nvGrpSpPr>
-        <p:cNvPr id="1" name=""/>
-        <p:cNvGrpSpPr/>
-        <p:nvPr/>
-      </p:nvGrpSpPr>
-      <p:grpSpPr>
-        <a:xfrm>
-          <a:off x="0" y="0"/>
-          <a:ext cx="0" cy="0"/>
-          <a:chOff x="0" y="0"/>
-          <a:chExt cx="0" cy="0"/>
-        </a:xfrm>
-      </p:grpSpPr>
-      <p:sp>
-        <p:nvSpPr>
-          <p:cNvPr id="2" name="Titolo 1">
-            <a:extLst>
-              <a:ext uri="{FF2B5EF4-FFF2-40B4-BE49-F238E27FC236}">
-                <a16:creationId xmlns:a16="http://schemas.microsoft.com/office/drawing/2014/main" id="{28120D92-A2A4-1571-445A-D6982DFA109E}"/>
-              </a:ext>
-            </a:extLst>
-          </p:cNvPr>
-          <p:cNvSpPr>
-            <a:spLocks noGrp="1"/>
-          </p:cNvSpPr>
-          <p:nvPr>
-            <p:ph type="title"/>
-          </p:nvPr>
-        </p:nvSpPr>
-        <p:spPr/>
-        <p:txBody>
-          <a:bodyPr/>
-          <a:lstStyle/>
-          <a:p>
-            <a:r>
-              <a:rPr lang="it-IT" dirty="0" err="1"/>
-              <a:t>Pycaret</a:t>
-            </a:r>
-            <a:endParaRPr lang="it-IT" dirty="0"/>
-          </a:p>
-        </p:txBody>
-      </p:sp>
-      <p:sp>
-        <p:nvSpPr>
-          <p:cNvPr id="3" name="Segnaposto contenuto 2">
-            <a:extLst>
-              <a:ext uri="{FF2B5EF4-FFF2-40B4-BE49-F238E27FC236}">
-                <a16:creationId xmlns:a16="http://schemas.microsoft.com/office/drawing/2014/main" id="{9DBD0969-DAE8-89B8-B4BB-6E3935E814A4}"/>
-              </a:ext>
-            </a:extLst>
-          </p:cNvPr>
-          <p:cNvSpPr>
-            <a:spLocks noGrp="1"/>
-          </p:cNvSpPr>
-          <p:nvPr>
-            <p:ph idx="1"/>
-          </p:nvPr>
-        </p:nvSpPr>
-        <p:spPr/>
-        <p:txBody>
-          <a:bodyPr>
-            <a:normAutofit lnSpcReduction="10000"/>
-          </a:bodyPr>
-          <a:lstStyle/>
-          <a:p>
-            <a:r>
-              <a:rPr lang="it-IT" dirty="0" err="1"/>
-              <a:t>Documentation</a:t>
-            </a:r>
-            <a:endParaRPr lang="it-IT" dirty="0"/>
-          </a:p>
-          <a:p>
-            <a:pPr lvl="1"/>
-            <a:r>
-              <a:rPr lang="it-IT" dirty="0"/>
-              <a:t>Step by step</a:t>
-            </a:r>
-          </a:p>
-          <a:p>
-            <a:pPr lvl="1"/>
-            <a:r>
-              <a:rPr lang="it-IT" dirty="0"/>
-              <a:t>A </a:t>
-            </a:r>
-            <a:r>
-              <a:rPr lang="it-IT" dirty="0" err="1"/>
-              <a:t>lot</a:t>
-            </a:r>
-            <a:r>
-              <a:rPr lang="it-IT" dirty="0"/>
-              <a:t> of tutorials</a:t>
-            </a:r>
-          </a:p>
-          <a:p>
-            <a:r>
-              <a:rPr lang="it-IT" dirty="0"/>
-              <a:t>Installation</a:t>
-            </a:r>
-          </a:p>
-          <a:p>
-            <a:pPr lvl="1"/>
-            <a:r>
-              <a:rPr lang="it-IT" dirty="0" err="1"/>
-              <a:t>Execution</a:t>
-            </a:r>
-            <a:r>
-              <a:rPr lang="it-IT" dirty="0"/>
-              <a:t> of </a:t>
-            </a:r>
-            <a:r>
-              <a:rPr lang="it-IT" dirty="0" err="1"/>
-              <a:t>commands</a:t>
-            </a:r>
-            <a:r>
-              <a:rPr lang="it-IT" dirty="0"/>
-              <a:t> in the </a:t>
-            </a:r>
-            <a:r>
-              <a:rPr lang="it-IT" dirty="0" err="1"/>
-              <a:t>documentation</a:t>
-            </a:r>
-            <a:endParaRPr lang="it-IT" dirty="0"/>
-          </a:p>
-          <a:p>
-            <a:r>
-              <a:rPr lang="it-IT" dirty="0" err="1"/>
-              <a:t>Usability</a:t>
-            </a:r>
-            <a:endParaRPr lang="it-IT" dirty="0"/>
-          </a:p>
-          <a:p>
-            <a:pPr lvl="1"/>
-            <a:r>
-              <a:rPr lang="it-IT" dirty="0"/>
-              <a:t>Easy to use</a:t>
-            </a:r>
-          </a:p>
-          <a:p>
-            <a:r>
-              <a:rPr lang="it-IT" dirty="0"/>
-              <a:t>Quality of </a:t>
-            </a:r>
-            <a:r>
-              <a:rPr lang="it-IT" dirty="0" err="1"/>
-              <a:t>results</a:t>
-            </a:r>
-            <a:r>
-              <a:rPr lang="it-IT" dirty="0"/>
-              <a:t> (</a:t>
-            </a:r>
-            <a:r>
-              <a:rPr lang="it-IT" dirty="0" err="1"/>
-              <a:t>how</a:t>
-            </a:r>
-            <a:r>
-              <a:rPr lang="it-IT" dirty="0"/>
-              <a:t> </a:t>
-            </a:r>
-            <a:r>
-              <a:rPr lang="it-IT" dirty="0" err="1"/>
-              <a:t>they</a:t>
-            </a:r>
-            <a:r>
-              <a:rPr lang="it-IT" dirty="0"/>
-              <a:t> are </a:t>
-            </a:r>
-            <a:r>
-              <a:rPr lang="it-IT" dirty="0" err="1"/>
-              <a:t>provided</a:t>
-            </a:r>
-            <a:r>
-              <a:rPr lang="it-IT" dirty="0"/>
-              <a:t>)</a:t>
-            </a:r>
-          </a:p>
-          <a:p>
-            <a:pPr lvl="1"/>
-            <a:r>
-              <a:rPr lang="it-IT" dirty="0"/>
-              <a:t>Easy </a:t>
-            </a:r>
-            <a:r>
-              <a:rPr lang="it-IT" dirty="0" err="1"/>
-              <a:t>comparison</a:t>
-            </a:r>
-            <a:r>
-              <a:rPr lang="it-IT" dirty="0"/>
-              <a:t> </a:t>
-            </a:r>
-            <a:r>
-              <a:rPr lang="it-IT" dirty="0" err="1"/>
-              <a:t>between</a:t>
-            </a:r>
-            <a:r>
-              <a:rPr lang="it-IT" dirty="0"/>
-              <a:t> models</a:t>
-            </a:r>
-          </a:p>
-          <a:p>
-            <a:pPr lvl="1"/>
-            <a:r>
-              <a:rPr lang="it-IT" dirty="0"/>
-              <a:t>Plots and </a:t>
-            </a:r>
-            <a:r>
-              <a:rPr lang="it-IT" dirty="0" err="1"/>
-              <a:t>tables</a:t>
-            </a:r>
-            <a:endParaRPr lang="it-IT" dirty="0"/>
-          </a:p>
-          <a:p>
-            <a:pPr lvl="1"/>
-            <a:r>
-              <a:rPr lang="it-IT" dirty="0" err="1"/>
-              <a:t>Lots</a:t>
-            </a:r>
-            <a:r>
-              <a:rPr lang="it-IT" dirty="0"/>
-              <a:t> of models and </a:t>
-            </a:r>
-            <a:r>
-              <a:rPr lang="it-IT" dirty="0" err="1"/>
-              <a:t>metrics</a:t>
-            </a:r>
-            <a:endParaRPr lang="it-IT" dirty="0"/>
-          </a:p>
-          <a:p>
-            <a:endParaRPr lang="it-IT" dirty="0"/>
-          </a:p>
-          <a:p>
-            <a:endParaRPr lang="it-IT" dirty="0"/>
-          </a:p>
-        </p:txBody>
-      </p:sp>
-    </p:spTree>
-    <p:extLst>
-      <p:ext uri="{BB962C8B-B14F-4D97-AF65-F5344CB8AC3E}">
-        <p14:creationId xmlns:p14="http://schemas.microsoft.com/office/powerpoint/2010/main" val="962683360"/>
-      </p:ext>
-    </p:extLst>
-  </p:cSld>
-  <p:clrMapOvr>
-    <a:masterClrMapping/>
-  </p:clrMapOvr>
-</p:sld>
-</file>
-
 <file path=ppt/slides/slide7.xml><?xml version="1.0" encoding="utf-8"?>
 <p:sld xmlns:a="http://schemas.openxmlformats.org/drawingml/2006/main" xmlns:r="http://schemas.openxmlformats.org/officeDocument/2006/relationships" xmlns:p="http://schemas.openxmlformats.org/presentationml/2006/main">
   <p:cSld>
@@ -5912,7 +5988,7 @@
           <p:cNvPr id="2" name="Titolo 1">
             <a:extLst>
               <a:ext uri="{FF2B5EF4-FFF2-40B4-BE49-F238E27FC236}">
-                <a16:creationId xmlns:a16="http://schemas.microsoft.com/office/drawing/2014/main" id="{6A186040-D857-0453-0A95-75E7D8183777}"/>
+                <a16:creationId xmlns:a16="http://schemas.microsoft.com/office/drawing/2014/main" id="{28120D92-A2A4-1571-445A-D6982DFA109E}"/>
               </a:ext>
             </a:extLst>
           </p:cNvPr>
@@ -5929,12 +6005,8 @@
           <a:lstStyle/>
           <a:p>
             <a:r>
-              <a:rPr lang="it-IT" dirty="0"/>
-              <a:t>Auto </a:t>
-            </a:r>
-            <a:r>
-              <a:rPr lang="it-IT" dirty="0" err="1"/>
-              <a:t>ViML</a:t>
+              <a:rPr lang="it-IT" dirty="0" err="1"/>
+              <a:t>Pycaret</a:t>
             </a:r>
             <a:endParaRPr lang="it-IT" dirty="0"/>
           </a:p>
@@ -5945,7 +6017,7 @@
           <p:cNvPr id="3" name="Segnaposto contenuto 2">
             <a:extLst>
               <a:ext uri="{FF2B5EF4-FFF2-40B4-BE49-F238E27FC236}">
-                <a16:creationId xmlns:a16="http://schemas.microsoft.com/office/drawing/2014/main" id="{04B4A630-046D-8964-AC20-319D68737EAF}"/>
+                <a16:creationId xmlns:a16="http://schemas.microsoft.com/office/drawing/2014/main" id="{9DBD0969-DAE8-89B8-B4BB-6E3935E814A4}"/>
               </a:ext>
             </a:extLst>
           </p:cNvPr>
@@ -5972,194 +6044,162 @@
           <a:p>
             <a:pPr lvl="1"/>
             <a:r>
-              <a:rPr lang="it-IT" dirty="0" err="1">
-                <a:solidFill>
-                  <a:srgbClr val="000000"/>
-                </a:solidFill>
-                <a:latin typeface="WR_Korean"/>
-              </a:rPr>
-              <a:t>F</a:t>
-            </a:r>
-            <a:r>
-              <a:rPr lang="it-IT" b="0" i="0" dirty="0" err="1">
-                <a:solidFill>
-                  <a:srgbClr val="000000"/>
-                </a:solidFill>
-                <a:effectLst/>
-                <a:latin typeface="WR_Korean"/>
-              </a:rPr>
-              <a:t>unctional</a:t>
+              <a:rPr lang="it-IT" dirty="0"/>
+              <a:t>Step by step</a:t>
+            </a:r>
+          </a:p>
+          <a:p>
+            <a:pPr lvl="1"/>
+            <a:r>
+              <a:rPr lang="it-IT" dirty="0"/>
+              <a:t>A </a:t>
+            </a:r>
+            <a:r>
+              <a:rPr lang="it-IT" dirty="0" err="1"/>
+              <a:t>lot</a:t>
+            </a:r>
+            <a:r>
+              <a:rPr lang="it-IT" dirty="0"/>
+              <a:t> of tutorials</a:t>
+            </a:r>
+          </a:p>
+          <a:p>
+            <a:r>
+              <a:rPr lang="it-IT" dirty="0"/>
+              <a:t>Installation</a:t>
+            </a:r>
+          </a:p>
+          <a:p>
+            <a:pPr lvl="1"/>
+            <a:r>
+              <a:rPr lang="it-IT" dirty="0" err="1"/>
+              <a:t>Execution</a:t>
+            </a:r>
+            <a:r>
+              <a:rPr lang="it-IT" dirty="0"/>
+              <a:t> of </a:t>
+            </a:r>
+            <a:r>
+              <a:rPr lang="it-IT" dirty="0" err="1"/>
+              <a:t>commands</a:t>
+            </a:r>
+            <a:r>
+              <a:rPr lang="it-IT" dirty="0"/>
+              <a:t> in the </a:t>
+            </a:r>
+            <a:r>
+              <a:rPr lang="it-IT" dirty="0" err="1"/>
+              <a:t>documentation</a:t>
             </a:r>
             <a:endParaRPr lang="it-IT" dirty="0"/>
           </a:p>
           <a:p>
             <a:r>
-              <a:rPr lang="it-IT" dirty="0"/>
-              <a:t>Installation</a:t>
-            </a:r>
+              <a:rPr lang="it-IT" dirty="0" err="1"/>
+              <a:t>Usability</a:t>
+            </a:r>
+            <a:endParaRPr lang="it-IT" dirty="0"/>
           </a:p>
           <a:p>
             <a:pPr lvl="1"/>
             <a:r>
-              <a:rPr lang="it-IT" dirty="0" err="1"/>
-              <a:t>Execution</a:t>
-            </a:r>
-            <a:r>
-              <a:rPr lang="it-IT" dirty="0"/>
-              <a:t> of </a:t>
-            </a:r>
-            <a:r>
-              <a:rPr lang="it-IT" dirty="0" err="1"/>
-              <a:t>commands</a:t>
-            </a:r>
-            <a:r>
-              <a:rPr lang="it-IT" dirty="0"/>
-              <a:t> in the </a:t>
-            </a:r>
-            <a:r>
-              <a:rPr lang="it-IT" dirty="0" err="1"/>
-              <a:t>documentation</a:t>
+              <a:rPr lang="it-IT" dirty="0"/>
+              <a:t>Easy to use</a:t>
+            </a:r>
+          </a:p>
+          <a:p>
+            <a:r>
+              <a:rPr lang="it-IT" dirty="0"/>
+              <a:t>Quality of </a:t>
+            </a:r>
+            <a:r>
+              <a:rPr lang="it-IT" dirty="0" err="1"/>
+              <a:t>results</a:t>
+            </a:r>
+            <a:r>
+              <a:rPr lang="it-IT" dirty="0"/>
+              <a:t> (</a:t>
+            </a:r>
+            <a:r>
+              <a:rPr lang="it-IT" dirty="0" err="1"/>
+              <a:t>how</a:t>
+            </a:r>
+            <a:r>
+              <a:rPr lang="it-IT" dirty="0"/>
+              <a:t> </a:t>
+            </a:r>
+            <a:r>
+              <a:rPr lang="it-IT" dirty="0" err="1"/>
+              <a:t>they</a:t>
+            </a:r>
+            <a:r>
+              <a:rPr lang="it-IT" dirty="0"/>
+              <a:t> are </a:t>
+            </a:r>
+            <a:r>
+              <a:rPr lang="it-IT" dirty="0" err="1"/>
+              <a:t>provided</a:t>
+            </a:r>
+            <a:r>
+              <a:rPr lang="it-IT" dirty="0"/>
+              <a:t>)</a:t>
+            </a:r>
+          </a:p>
+          <a:p>
+            <a:pPr lvl="1"/>
+            <a:r>
+              <a:rPr lang="it-IT" dirty="0"/>
+              <a:t>Easy </a:t>
+            </a:r>
+            <a:r>
+              <a:rPr lang="it-IT" dirty="0" err="1"/>
+              <a:t>comparison</a:t>
+            </a:r>
+            <a:r>
+              <a:rPr lang="it-IT" dirty="0"/>
+              <a:t> </a:t>
+            </a:r>
+            <a:r>
+              <a:rPr lang="it-IT" dirty="0" err="1"/>
+              <a:t>between</a:t>
+            </a:r>
+            <a:r>
+              <a:rPr lang="it-IT" dirty="0"/>
+              <a:t> models</a:t>
+            </a:r>
+          </a:p>
+          <a:p>
+            <a:pPr lvl="1"/>
+            <a:r>
+              <a:rPr lang="it-IT" dirty="0"/>
+              <a:t>Plots and </a:t>
+            </a:r>
+            <a:r>
+              <a:rPr lang="it-IT" dirty="0" err="1"/>
+              <a:t>tables</a:t>
             </a:r>
             <a:endParaRPr lang="it-IT" dirty="0"/>
           </a:p>
           <a:p>
-            <a:r>
-              <a:rPr lang="it-IT" dirty="0" err="1"/>
-              <a:t>Usability</a:t>
+            <a:pPr lvl="1"/>
+            <a:r>
+              <a:rPr lang="it-IT" dirty="0" err="1"/>
+              <a:t>Lots</a:t>
+            </a:r>
+            <a:r>
+              <a:rPr lang="it-IT" dirty="0"/>
+              <a:t> of models and </a:t>
+            </a:r>
+            <a:r>
+              <a:rPr lang="it-IT" dirty="0" err="1"/>
+              <a:t>metrics</a:t>
             </a:r>
             <a:endParaRPr lang="it-IT" dirty="0"/>
           </a:p>
           <a:p>
-            <a:pPr lvl="1"/>
-            <a:r>
-              <a:rPr lang="it-IT" dirty="0" err="1"/>
-              <a:t>Only</a:t>
-            </a:r>
-            <a:r>
-              <a:rPr lang="it-IT" dirty="0"/>
-              <a:t> one </a:t>
-            </a:r>
-            <a:r>
-              <a:rPr lang="it-IT" dirty="0" err="1"/>
-              <a:t>instruction</a:t>
-            </a:r>
             <a:endParaRPr lang="it-IT" dirty="0"/>
           </a:p>
           <a:p>
-            <a:pPr lvl="1"/>
-            <a:r>
-              <a:rPr lang="it-IT" dirty="0" err="1"/>
-              <a:t>Less</a:t>
-            </a:r>
-            <a:r>
-              <a:rPr lang="it-IT" dirty="0"/>
-              <a:t> </a:t>
-            </a:r>
-            <a:r>
-              <a:rPr lang="it-IT" dirty="0" err="1"/>
-              <a:t>autonomous</a:t>
-            </a:r>
-            <a:endParaRPr lang="it-IT" dirty="0"/>
-          </a:p>
-          <a:p>
-            <a:pPr lvl="1"/>
-            <a:r>
-              <a:rPr lang="it-IT" dirty="0" err="1"/>
-              <a:t>Need</a:t>
-            </a:r>
-            <a:r>
-              <a:rPr lang="it-IT" dirty="0"/>
-              <a:t> more </a:t>
-            </a:r>
-            <a:r>
-              <a:rPr lang="it-IT" dirty="0" err="1"/>
-              <a:t>manual</a:t>
-            </a:r>
-            <a:r>
-              <a:rPr lang="it-IT" dirty="0"/>
-              <a:t> </a:t>
-            </a:r>
-            <a:r>
-              <a:rPr lang="it-IT" dirty="0" err="1"/>
-              <a:t>configuration</a:t>
-            </a:r>
-            <a:endParaRPr lang="it-IT" dirty="0"/>
-          </a:p>
-          <a:p>
-            <a:r>
-              <a:rPr lang="it-IT" dirty="0"/>
-              <a:t>Quality of </a:t>
-            </a:r>
-            <a:r>
-              <a:rPr lang="it-IT" dirty="0" err="1"/>
-              <a:t>results</a:t>
-            </a:r>
-            <a:r>
-              <a:rPr lang="it-IT" dirty="0"/>
-              <a:t> (</a:t>
-            </a:r>
-            <a:r>
-              <a:rPr lang="it-IT" dirty="0" err="1"/>
-              <a:t>how</a:t>
-            </a:r>
-            <a:r>
-              <a:rPr lang="it-IT" dirty="0"/>
-              <a:t> </a:t>
-            </a:r>
-            <a:r>
-              <a:rPr lang="it-IT" dirty="0" err="1"/>
-              <a:t>they</a:t>
-            </a:r>
-            <a:r>
-              <a:rPr lang="it-IT" dirty="0"/>
-              <a:t> are </a:t>
-            </a:r>
-            <a:r>
-              <a:rPr lang="it-IT" dirty="0" err="1"/>
-              <a:t>provided</a:t>
-            </a:r>
-            <a:r>
-              <a:rPr lang="it-IT" dirty="0"/>
-              <a:t>)</a:t>
-            </a:r>
-          </a:p>
-          <a:p>
-            <a:pPr lvl="1"/>
-            <a:r>
-              <a:rPr lang="it-IT" dirty="0"/>
-              <a:t>Easy </a:t>
-            </a:r>
-            <a:r>
-              <a:rPr lang="it-IT" dirty="0" err="1"/>
-              <a:t>comparison</a:t>
-            </a:r>
-            <a:r>
-              <a:rPr lang="it-IT" dirty="0"/>
-              <a:t> </a:t>
-            </a:r>
-            <a:r>
-              <a:rPr lang="it-IT" dirty="0" err="1"/>
-              <a:t>between</a:t>
-            </a:r>
-            <a:r>
-              <a:rPr lang="it-IT" dirty="0"/>
-              <a:t> models</a:t>
-            </a:r>
-          </a:p>
-          <a:p>
-            <a:pPr lvl="1"/>
-            <a:r>
-              <a:rPr lang="it-IT" dirty="0"/>
-              <a:t>Plots and </a:t>
-            </a:r>
-            <a:r>
-              <a:rPr lang="it-IT" dirty="0" err="1"/>
-              <a:t>tables</a:t>
-            </a:r>
-            <a:endParaRPr lang="it-IT" dirty="0"/>
-          </a:p>
-          <a:p>
-            <a:pPr lvl="1"/>
             <a:endParaRPr lang="it-IT" dirty="0"/>
           </a:p>
         </p:txBody>
@@ -6167,7 +6207,7 @@
     </p:spTree>
     <p:extLst>
       <p:ext uri="{BB962C8B-B14F-4D97-AF65-F5344CB8AC3E}">
-        <p14:creationId xmlns:p14="http://schemas.microsoft.com/office/powerpoint/2010/main" val="3310600197"/>
+        <p14:creationId xmlns:p14="http://schemas.microsoft.com/office/powerpoint/2010/main" val="962683360"/>
       </p:ext>
     </p:extLst>
   </p:cSld>
@@ -6199,7 +6239,7 @@
           <p:cNvPr id="2" name="Titolo 1">
             <a:extLst>
               <a:ext uri="{FF2B5EF4-FFF2-40B4-BE49-F238E27FC236}">
-                <a16:creationId xmlns:a16="http://schemas.microsoft.com/office/drawing/2014/main" id="{952C8CE5-7C52-21F1-A6CF-D4C507FCECBC}"/>
+                <a16:creationId xmlns:a16="http://schemas.microsoft.com/office/drawing/2014/main" id="{6A186040-D857-0453-0A95-75E7D8183777}"/>
               </a:ext>
             </a:extLst>
           </p:cNvPr>
@@ -6217,8 +6257,13 @@
           <a:p>
             <a:r>
               <a:rPr lang="it-IT" dirty="0"/>
-              <a:t>H2o</a:t>
-            </a:r>
+              <a:t>Auto </a:t>
+            </a:r>
+            <a:r>
+              <a:rPr lang="it-IT" dirty="0" err="1"/>
+              <a:t>ViML</a:t>
+            </a:r>
+            <a:endParaRPr lang="it-IT" dirty="0"/>
           </a:p>
         </p:txBody>
       </p:sp>
@@ -6227,7 +6272,7 @@
           <p:cNvPr id="3" name="Segnaposto contenuto 2">
             <a:extLst>
               <a:ext uri="{FF2B5EF4-FFF2-40B4-BE49-F238E27FC236}">
-                <a16:creationId xmlns:a16="http://schemas.microsoft.com/office/drawing/2014/main" id="{A67058A6-9B5A-95D3-9BBC-421CC076A0E7}"/>
+                <a16:creationId xmlns:a16="http://schemas.microsoft.com/office/drawing/2014/main" id="{04B4A630-046D-8964-AC20-319D68737EAF}"/>
               </a:ext>
             </a:extLst>
           </p:cNvPr>
@@ -6254,124 +6299,194 @@
           <a:p>
             <a:pPr lvl="1"/>
             <a:r>
-              <a:rPr lang="it-IT" dirty="0"/>
-              <a:t>Not clear</a:t>
+              <a:rPr lang="it-IT" dirty="0" err="1">
+                <a:solidFill>
+                  <a:srgbClr val="000000"/>
+                </a:solidFill>
+                <a:latin typeface="WR_Korean"/>
+              </a:rPr>
+              <a:t>F</a:t>
+            </a:r>
+            <a:r>
+              <a:rPr lang="it-IT" b="0" i="0" dirty="0" err="1">
+                <a:solidFill>
+                  <a:srgbClr val="000000"/>
+                </a:solidFill>
+                <a:effectLst/>
+                <a:latin typeface="WR_Korean"/>
+              </a:rPr>
+              <a:t>unctional</a:t>
+            </a:r>
+            <a:endParaRPr lang="it-IT" dirty="0"/>
+          </a:p>
+          <a:p>
+            <a:r>
+              <a:rPr lang="it-IT" dirty="0"/>
+              <a:t>Installation</a:t>
             </a:r>
           </a:p>
           <a:p>
             <a:pPr lvl="1"/>
             <a:r>
               <a:rPr lang="it-IT" dirty="0" err="1"/>
-              <a:t>Caotic</a:t>
+              <a:t>Execution</a:t>
+            </a:r>
+            <a:r>
+              <a:rPr lang="it-IT" dirty="0"/>
+              <a:t> of </a:t>
+            </a:r>
+            <a:r>
+              <a:rPr lang="it-IT" dirty="0" err="1"/>
+              <a:t>commands</a:t>
+            </a:r>
+            <a:r>
+              <a:rPr lang="it-IT" dirty="0"/>
+              <a:t> in the </a:t>
+            </a:r>
+            <a:r>
+              <a:rPr lang="it-IT" dirty="0" err="1"/>
+              <a:t>documentation</a:t>
             </a:r>
             <a:endParaRPr lang="it-IT" dirty="0"/>
           </a:p>
           <a:p>
+            <a:r>
+              <a:rPr lang="it-IT" dirty="0" err="1"/>
+              <a:t>Usability</a:t>
+            </a:r>
+            <a:endParaRPr lang="it-IT" dirty="0"/>
+          </a:p>
+          <a:p>
             <a:pPr lvl="1"/>
             <a:r>
-              <a:rPr lang="it-IT" dirty="0"/>
-              <a:t>Too verbose</a:t>
-            </a:r>
-          </a:p>
-          <a:p>
-            <a:r>
-              <a:rPr lang="it-IT" dirty="0"/>
-              <a:t>Installation</a:t>
-            </a:r>
+              <a:rPr lang="it-IT" dirty="0" err="1"/>
+              <a:t>Only</a:t>
+            </a:r>
+            <a:r>
+              <a:rPr lang="it-IT" dirty="0"/>
+              <a:t> one </a:t>
+            </a:r>
+            <a:r>
+              <a:rPr lang="it-IT" dirty="0" err="1"/>
+              <a:t>instruction</a:t>
+            </a:r>
+            <a:endParaRPr lang="it-IT" dirty="0"/>
           </a:p>
           <a:p>
             <a:pPr lvl="1"/>
             <a:r>
               <a:rPr lang="it-IT" dirty="0" err="1"/>
-              <a:t>Problematic</a:t>
+              <a:t>Less</a:t>
+            </a:r>
+            <a:r>
+              <a:rPr lang="it-IT" dirty="0"/>
+              <a:t> </a:t>
+            </a:r>
+            <a:r>
+              <a:rPr lang="it-IT" dirty="0" err="1"/>
+              <a:t>autonomous</a:t>
             </a:r>
             <a:endParaRPr lang="it-IT" dirty="0"/>
           </a:p>
           <a:p>
-            <a:r>
-              <a:rPr lang="it-IT" dirty="0" err="1"/>
-              <a:t>Usability</a:t>
+            <a:pPr lvl="1"/>
+            <a:r>
+              <a:rPr lang="it-IT" dirty="0" err="1"/>
+              <a:t>Need</a:t>
+            </a:r>
+            <a:r>
+              <a:rPr lang="it-IT" dirty="0"/>
+              <a:t> more </a:t>
+            </a:r>
+            <a:r>
+              <a:rPr lang="it-IT" dirty="0" err="1"/>
+              <a:t>manual</a:t>
+            </a:r>
+            <a:r>
+              <a:rPr lang="it-IT" dirty="0"/>
+              <a:t> </a:t>
+            </a:r>
+            <a:r>
+              <a:rPr lang="it-IT" dirty="0" err="1"/>
+              <a:t>configuration</a:t>
             </a:r>
             <a:endParaRPr lang="it-IT" dirty="0"/>
           </a:p>
           <a:p>
+            <a:r>
+              <a:rPr lang="it-IT" dirty="0"/>
+              <a:t>Quality of </a:t>
+            </a:r>
+            <a:r>
+              <a:rPr lang="it-IT" dirty="0" err="1"/>
+              <a:t>results</a:t>
+            </a:r>
+            <a:r>
+              <a:rPr lang="it-IT" dirty="0"/>
+              <a:t> (</a:t>
+            </a:r>
+            <a:r>
+              <a:rPr lang="it-IT" dirty="0" err="1"/>
+              <a:t>how</a:t>
+            </a:r>
+            <a:r>
+              <a:rPr lang="it-IT" dirty="0"/>
+              <a:t> </a:t>
+            </a:r>
+            <a:r>
+              <a:rPr lang="it-IT" dirty="0" err="1"/>
+              <a:t>they</a:t>
+            </a:r>
+            <a:r>
+              <a:rPr lang="it-IT" dirty="0"/>
+              <a:t> are </a:t>
+            </a:r>
+            <a:r>
+              <a:rPr lang="it-IT" dirty="0" err="1"/>
+              <a:t>provided</a:t>
+            </a:r>
+            <a:r>
+              <a:rPr lang="it-IT" dirty="0"/>
+              <a:t>)</a:t>
+            </a:r>
+          </a:p>
+          <a:p>
             <a:pPr lvl="1"/>
             <a:r>
               <a:rPr lang="it-IT" dirty="0"/>
-              <a:t>A java server must </a:t>
-            </a:r>
-            <a:r>
-              <a:rPr lang="it-IT" dirty="0" err="1"/>
-              <a:t>run</a:t>
+              <a:t>Easy </a:t>
+            </a:r>
+            <a:r>
+              <a:rPr lang="it-IT" dirty="0" err="1"/>
+              <a:t>comparison</a:t>
+            </a:r>
+            <a:r>
+              <a:rPr lang="it-IT" dirty="0"/>
+              <a:t> </a:t>
+            </a:r>
+            <a:r>
+              <a:rPr lang="it-IT" dirty="0" err="1"/>
+              <a:t>between</a:t>
+            </a:r>
+            <a:r>
+              <a:rPr lang="it-IT" dirty="0"/>
+              <a:t> models</a:t>
+            </a:r>
+          </a:p>
+          <a:p>
+            <a:pPr lvl="1"/>
+            <a:r>
+              <a:rPr lang="it-IT" dirty="0"/>
+              <a:t>Plots and </a:t>
+            </a:r>
+            <a:r>
+              <a:rPr lang="it-IT" dirty="0" err="1"/>
+              <a:t>tables</a:t>
             </a:r>
             <a:endParaRPr lang="it-IT" dirty="0"/>
           </a:p>
           <a:p>
             <a:pPr lvl="1"/>
-            <a:r>
-              <a:rPr lang="it-IT" dirty="0"/>
-              <a:t>More code </a:t>
-            </a:r>
-            <a:r>
-              <a:rPr lang="it-IT" dirty="0" err="1"/>
-              <a:t>is</a:t>
-            </a:r>
-            <a:r>
-              <a:rPr lang="it-IT" dirty="0"/>
-              <a:t> </a:t>
-            </a:r>
-            <a:r>
-              <a:rPr lang="it-IT" dirty="0" err="1"/>
-              <a:t>needed</a:t>
-            </a:r>
-            <a:r>
-              <a:rPr lang="it-IT" dirty="0"/>
-              <a:t> for clustering</a:t>
-            </a:r>
-          </a:p>
-          <a:p>
-            <a:r>
-              <a:rPr lang="it-IT" dirty="0"/>
-              <a:t>Quality of </a:t>
-            </a:r>
-            <a:r>
-              <a:rPr lang="it-IT" dirty="0" err="1"/>
-              <a:t>results</a:t>
-            </a:r>
-            <a:r>
-              <a:rPr lang="it-IT" dirty="0"/>
-              <a:t> (</a:t>
-            </a:r>
-            <a:r>
-              <a:rPr lang="it-IT" dirty="0" err="1"/>
-              <a:t>how</a:t>
-            </a:r>
-            <a:r>
-              <a:rPr lang="it-IT" dirty="0"/>
-              <a:t> </a:t>
-            </a:r>
-            <a:r>
-              <a:rPr lang="it-IT" dirty="0" err="1"/>
-              <a:t>they</a:t>
-            </a:r>
-            <a:r>
-              <a:rPr lang="it-IT" dirty="0"/>
-              <a:t> are </a:t>
-            </a:r>
-            <a:r>
-              <a:rPr lang="it-IT" dirty="0" err="1"/>
-              <a:t>provided</a:t>
-            </a:r>
-            <a:r>
-              <a:rPr lang="it-IT" dirty="0"/>
-              <a:t>)</a:t>
-            </a:r>
-          </a:p>
-          <a:p>
-            <a:pPr lvl="1"/>
-            <a:endParaRPr lang="it-IT" dirty="0"/>
-          </a:p>
-          <a:p>
             <a:endParaRPr lang="it-IT" dirty="0"/>
           </a:p>
         </p:txBody>
@@ -6379,7 +6494,7 @@
     </p:spTree>
     <p:extLst>
       <p:ext uri="{BB962C8B-B14F-4D97-AF65-F5344CB8AC3E}">
-        <p14:creationId xmlns:p14="http://schemas.microsoft.com/office/powerpoint/2010/main" val="3388960088"/>
+        <p14:creationId xmlns:p14="http://schemas.microsoft.com/office/powerpoint/2010/main" val="3310600197"/>
       </p:ext>
     </p:extLst>
   </p:cSld>
@@ -6411,7 +6526,7 @@
           <p:cNvPr id="2" name="Titolo 1">
             <a:extLst>
               <a:ext uri="{FF2B5EF4-FFF2-40B4-BE49-F238E27FC236}">
-                <a16:creationId xmlns:a16="http://schemas.microsoft.com/office/drawing/2014/main" id="{8216D2C6-8B5D-A126-2BA9-0B2BC91E0FCF}"/>
+                <a16:creationId xmlns:a16="http://schemas.microsoft.com/office/drawing/2014/main" id="{952C8CE5-7C52-21F1-A6CF-D4C507FCECBC}"/>
               </a:ext>
             </a:extLst>
           </p:cNvPr>
@@ -6429,7 +6544,7 @@
           <a:p>
             <a:r>
               <a:rPr lang="it-IT" dirty="0"/>
-              <a:t>TPOT</a:t>
+              <a:t>H2o</a:t>
             </a:r>
           </a:p>
         </p:txBody>
@@ -6439,7 +6554,7 @@
           <p:cNvPr id="3" name="Segnaposto contenuto 2">
             <a:extLst>
               <a:ext uri="{FF2B5EF4-FFF2-40B4-BE49-F238E27FC236}">
-                <a16:creationId xmlns:a16="http://schemas.microsoft.com/office/drawing/2014/main" id="{5DE03466-A654-6005-E2FE-1100906D8739}"/>
+                <a16:creationId xmlns:a16="http://schemas.microsoft.com/office/drawing/2014/main" id="{A67058A6-9B5A-95D3-9BBC-421CC076A0E7}"/>
               </a:ext>
             </a:extLst>
           </p:cNvPr>
@@ -6461,27 +6576,72 @@
               <a:rPr lang="it-IT" dirty="0" err="1"/>
               <a:t>Documentation</a:t>
             </a:r>
-            <a:r>
-              <a:rPr lang="it-IT" dirty="0"/>
-              <a:t>	</a:t>
-            </a:r>
+            <a:endParaRPr lang="it-IT" dirty="0"/>
           </a:p>
           <a:p>
             <a:pPr lvl="1"/>
             <a:r>
               <a:rPr lang="it-IT" dirty="0"/>
+              <a:t>Not clear</a:t>
+            </a:r>
+          </a:p>
+          <a:p>
+            <a:pPr lvl="1"/>
+            <a:r>
+              <a:rPr lang="it-IT" dirty="0" err="1"/>
+              <a:t>Caotic</a:t>
+            </a:r>
+            <a:endParaRPr lang="it-IT" dirty="0"/>
+          </a:p>
+          <a:p>
+            <a:pPr lvl="1"/>
+            <a:r>
+              <a:rPr lang="it-IT" dirty="0"/>
               <a:t>Too verbose</a:t>
             </a:r>
           </a:p>
           <a:p>
+            <a:r>
+              <a:rPr lang="it-IT" dirty="0"/>
+              <a:t>Installation</a:t>
+            </a:r>
+          </a:p>
+          <a:p>
             <a:pPr lvl="1"/>
             <a:r>
-              <a:rPr lang="it-IT" dirty="0"/>
-              <a:t>Some </a:t>
-            </a:r>
-            <a:r>
-              <a:rPr lang="it-IT" dirty="0" err="1"/>
-              <a:t>useful</a:t>
+              <a:rPr lang="it-IT" dirty="0" err="1"/>
+              <a:t>Problematic</a:t>
+            </a:r>
+            <a:endParaRPr lang="it-IT" dirty="0"/>
+          </a:p>
+          <a:p>
+            <a:r>
+              <a:rPr lang="it-IT" dirty="0" err="1"/>
+              <a:t>Usability</a:t>
+            </a:r>
+            <a:endParaRPr lang="it-IT" dirty="0"/>
+          </a:p>
+          <a:p>
+            <a:pPr lvl="1"/>
+            <a:r>
+              <a:rPr lang="it-IT" dirty="0"/>
+              <a:t>A java server must </a:t>
+            </a:r>
+            <a:r>
+              <a:rPr lang="it-IT" dirty="0" err="1"/>
+              <a:t>run</a:t>
+            </a:r>
+            <a:endParaRPr lang="it-IT" dirty="0"/>
+          </a:p>
+          <a:p>
+            <a:pPr lvl="1"/>
+            <a:r>
+              <a:rPr lang="it-IT" dirty="0"/>
+              <a:t>More code </a:t>
+            </a:r>
+            <a:r>
+              <a:rPr lang="it-IT" dirty="0" err="1"/>
+              <a:t>is</a:t>
             </a:r>
             <a:r>
               <a:rPr lang="it-IT" dirty="0"/>
@@ -6489,132 +6649,53 @@
             </a:r>
             <a:r>
               <a:rPr lang="it-IT" dirty="0" err="1"/>
-              <a:t>examples</a:t>
-            </a:r>
-            <a:endParaRPr lang="it-IT" dirty="0"/>
-          </a:p>
-          <a:p>
-            <a:r>
-              <a:rPr lang="it-IT" dirty="0"/>
-              <a:t>Installation</a:t>
+              <a:t>needed</a:t>
+            </a:r>
+            <a:r>
+              <a:rPr lang="it-IT" dirty="0"/>
+              <a:t> for clustering</a:t>
+            </a:r>
+          </a:p>
+          <a:p>
+            <a:r>
+              <a:rPr lang="it-IT" dirty="0"/>
+              <a:t>Quality of </a:t>
+            </a:r>
+            <a:r>
+              <a:rPr lang="it-IT" dirty="0" err="1"/>
+              <a:t>results</a:t>
+            </a:r>
+            <a:r>
+              <a:rPr lang="it-IT" dirty="0"/>
+              <a:t> (</a:t>
+            </a:r>
+            <a:r>
+              <a:rPr lang="it-IT" dirty="0" err="1"/>
+              <a:t>how</a:t>
+            </a:r>
+            <a:r>
+              <a:rPr lang="it-IT" dirty="0"/>
+              <a:t> </a:t>
+            </a:r>
+            <a:r>
+              <a:rPr lang="it-IT" dirty="0" err="1"/>
+              <a:t>they</a:t>
+            </a:r>
+            <a:r>
+              <a:rPr lang="it-IT" dirty="0"/>
+              <a:t> are </a:t>
+            </a:r>
+            <a:r>
+              <a:rPr lang="it-IT" dirty="0" err="1"/>
+              <a:t>provided</a:t>
+            </a:r>
+            <a:r>
+              <a:rPr lang="it-IT" dirty="0"/>
+              <a:t>)</a:t>
             </a:r>
           </a:p>
           <a:p>
             <a:pPr lvl="1"/>
-            <a:r>
-              <a:rPr lang="it-IT" dirty="0" err="1"/>
-              <a:t>Execution</a:t>
-            </a:r>
-            <a:r>
-              <a:rPr lang="it-IT" dirty="0"/>
-              <a:t> of </a:t>
-            </a:r>
-            <a:r>
-              <a:rPr lang="it-IT" dirty="0" err="1"/>
-              <a:t>commands</a:t>
-            </a:r>
-            <a:r>
-              <a:rPr lang="it-IT" dirty="0"/>
-              <a:t> in the </a:t>
-            </a:r>
-            <a:r>
-              <a:rPr lang="it-IT" dirty="0" err="1"/>
-              <a:t>documentation</a:t>
-            </a:r>
-            <a:endParaRPr lang="it-IT" dirty="0"/>
-          </a:p>
-          <a:p>
-            <a:r>
-              <a:rPr lang="it-IT" dirty="0" err="1"/>
-              <a:t>Usability</a:t>
-            </a:r>
-            <a:endParaRPr lang="it-IT" dirty="0"/>
-          </a:p>
-          <a:p>
-            <a:pPr lvl="1"/>
-            <a:r>
-              <a:rPr lang="it-IT" dirty="0"/>
-              <a:t>No </a:t>
-            </a:r>
-            <a:r>
-              <a:rPr lang="it-IT" dirty="0" err="1"/>
-              <a:t>preprocessing</a:t>
-            </a:r>
-            <a:endParaRPr lang="it-IT" dirty="0"/>
-          </a:p>
-          <a:p>
-            <a:pPr lvl="1"/>
-            <a:r>
-              <a:rPr lang="it-IT" dirty="0"/>
-              <a:t>No </a:t>
-            </a:r>
-            <a:r>
-              <a:rPr lang="it-IT" dirty="0" err="1"/>
-              <a:t>categorical</a:t>
-            </a:r>
-            <a:r>
-              <a:rPr lang="it-IT" dirty="0"/>
-              <a:t> features </a:t>
-            </a:r>
-            <a:r>
-              <a:rPr lang="it-IT" dirty="0" err="1"/>
-              <a:t>during</a:t>
-            </a:r>
-            <a:r>
-              <a:rPr lang="it-IT" dirty="0"/>
-              <a:t> training</a:t>
-            </a:r>
-          </a:p>
-          <a:p>
-            <a:pPr lvl="1"/>
-            <a:r>
-              <a:rPr lang="it-IT" dirty="0"/>
-              <a:t>No clustering</a:t>
-            </a:r>
-          </a:p>
-          <a:p>
-            <a:r>
-              <a:rPr lang="it-IT" dirty="0"/>
-              <a:t>Quality of </a:t>
-            </a:r>
-            <a:r>
-              <a:rPr lang="it-IT" dirty="0" err="1"/>
-              <a:t>results</a:t>
-            </a:r>
-            <a:r>
-              <a:rPr lang="it-IT" dirty="0"/>
-              <a:t> (</a:t>
-            </a:r>
-            <a:r>
-              <a:rPr lang="it-IT" dirty="0" err="1"/>
-              <a:t>how</a:t>
-            </a:r>
-            <a:r>
-              <a:rPr lang="it-IT" dirty="0"/>
-              <a:t> </a:t>
-            </a:r>
-            <a:r>
-              <a:rPr lang="it-IT" dirty="0" err="1"/>
-              <a:t>they</a:t>
-            </a:r>
-            <a:r>
-              <a:rPr lang="it-IT" dirty="0"/>
-              <a:t> are </a:t>
-            </a:r>
-            <a:r>
-              <a:rPr lang="it-IT" dirty="0" err="1"/>
-              <a:t>provided</a:t>
-            </a:r>
-            <a:r>
-              <a:rPr lang="it-IT" dirty="0"/>
-              <a:t>)</a:t>
-            </a:r>
-          </a:p>
-          <a:p>
-            <a:pPr lvl="1"/>
-            <a:endParaRPr lang="it-IT" dirty="0"/>
-          </a:p>
-          <a:p>
             <a:endParaRPr lang="it-IT" dirty="0"/>
           </a:p>
           <a:p>
@@ -6625,7 +6706,7 @@
     </p:spTree>
     <p:extLst>
       <p:ext uri="{BB962C8B-B14F-4D97-AF65-F5344CB8AC3E}">
-        <p14:creationId xmlns:p14="http://schemas.microsoft.com/office/powerpoint/2010/main" val="3038494212"/>
+        <p14:creationId xmlns:p14="http://schemas.microsoft.com/office/powerpoint/2010/main" val="3388960088"/>
       </p:ext>
     </p:extLst>
   </p:cSld>
